--- a/docu/media/src/UI_sample.pptx
+++ b/docu/media/src/UI_sample.pptx
@@ -259,7 +259,7 @@
           <a:p>
             <a:fld id="{87CF5CBC-48B6-4287-A5E9-3C9272B842DC}" type="datetimeFigureOut">
               <a:rPr lang="de-DE" smtClean="0"/>
-              <a:t>01.02.2024</a:t>
+              <a:t>12.03.2025</a:t>
             </a:fld>
             <a:endParaRPr lang="de-DE"/>
           </a:p>
@@ -457,7 +457,7 @@
           <a:p>
             <a:fld id="{87CF5CBC-48B6-4287-A5E9-3C9272B842DC}" type="datetimeFigureOut">
               <a:rPr lang="de-DE" smtClean="0"/>
-              <a:t>01.02.2024</a:t>
+              <a:t>12.03.2025</a:t>
             </a:fld>
             <a:endParaRPr lang="de-DE"/>
           </a:p>
@@ -665,7 +665,7 @@
           <a:p>
             <a:fld id="{87CF5CBC-48B6-4287-A5E9-3C9272B842DC}" type="datetimeFigureOut">
               <a:rPr lang="de-DE" smtClean="0"/>
-              <a:t>01.02.2024</a:t>
+              <a:t>12.03.2025</a:t>
             </a:fld>
             <a:endParaRPr lang="de-DE"/>
           </a:p>
@@ -863,7 +863,7 @@
           <a:p>
             <a:fld id="{87CF5CBC-48B6-4287-A5E9-3C9272B842DC}" type="datetimeFigureOut">
               <a:rPr lang="de-DE" smtClean="0"/>
-              <a:t>01.02.2024</a:t>
+              <a:t>12.03.2025</a:t>
             </a:fld>
             <a:endParaRPr lang="de-DE"/>
           </a:p>
@@ -1138,7 +1138,7 @@
           <a:p>
             <a:fld id="{87CF5CBC-48B6-4287-A5E9-3C9272B842DC}" type="datetimeFigureOut">
               <a:rPr lang="de-DE" smtClean="0"/>
-              <a:t>01.02.2024</a:t>
+              <a:t>12.03.2025</a:t>
             </a:fld>
             <a:endParaRPr lang="de-DE"/>
           </a:p>
@@ -1403,7 +1403,7 @@
           <a:p>
             <a:fld id="{87CF5CBC-48B6-4287-A5E9-3C9272B842DC}" type="datetimeFigureOut">
               <a:rPr lang="de-DE" smtClean="0"/>
-              <a:t>01.02.2024</a:t>
+              <a:t>12.03.2025</a:t>
             </a:fld>
             <a:endParaRPr lang="de-DE"/>
           </a:p>
@@ -1815,7 +1815,7 @@
           <a:p>
             <a:fld id="{87CF5CBC-48B6-4287-A5E9-3C9272B842DC}" type="datetimeFigureOut">
               <a:rPr lang="de-DE" smtClean="0"/>
-              <a:t>01.02.2024</a:t>
+              <a:t>12.03.2025</a:t>
             </a:fld>
             <a:endParaRPr lang="de-DE"/>
           </a:p>
@@ -1956,7 +1956,7 @@
           <a:p>
             <a:fld id="{87CF5CBC-48B6-4287-A5E9-3C9272B842DC}" type="datetimeFigureOut">
               <a:rPr lang="de-DE" smtClean="0"/>
-              <a:t>01.02.2024</a:t>
+              <a:t>12.03.2025</a:t>
             </a:fld>
             <a:endParaRPr lang="de-DE"/>
           </a:p>
@@ -2069,7 +2069,7 @@
           <a:p>
             <a:fld id="{87CF5CBC-48B6-4287-A5E9-3C9272B842DC}" type="datetimeFigureOut">
               <a:rPr lang="de-DE" smtClean="0"/>
-              <a:t>01.02.2024</a:t>
+              <a:t>12.03.2025</a:t>
             </a:fld>
             <a:endParaRPr lang="de-DE"/>
           </a:p>
@@ -2380,7 +2380,7 @@
           <a:p>
             <a:fld id="{87CF5CBC-48B6-4287-A5E9-3C9272B842DC}" type="datetimeFigureOut">
               <a:rPr lang="de-DE" smtClean="0"/>
-              <a:t>01.02.2024</a:t>
+              <a:t>12.03.2025</a:t>
             </a:fld>
             <a:endParaRPr lang="de-DE"/>
           </a:p>
@@ -2668,7 +2668,7 @@
           <a:p>
             <a:fld id="{87CF5CBC-48B6-4287-A5E9-3C9272B842DC}" type="datetimeFigureOut">
               <a:rPr lang="de-DE" smtClean="0"/>
-              <a:t>01.02.2024</a:t>
+              <a:t>12.03.2025</a:t>
             </a:fld>
             <a:endParaRPr lang="de-DE"/>
           </a:p>
@@ -2909,7 +2909,7 @@
           <a:p>
             <a:fld id="{87CF5CBC-48B6-4287-A5E9-3C9272B842DC}" type="datetimeFigureOut">
               <a:rPr lang="de-DE" smtClean="0"/>
-              <a:t>01.02.2024</a:t>
+              <a:t>12.03.2025</a:t>
             </a:fld>
             <a:endParaRPr lang="de-DE"/>
           </a:p>
@@ -3328,10 +3328,10 @@
       </p:grpSpPr>
       <p:pic>
         <p:nvPicPr>
-          <p:cNvPr id="3" name="Grafik 2">
-            <a:extLst>
-              <a:ext uri="{FF2B5EF4-FFF2-40B4-BE49-F238E27FC236}">
-                <a16:creationId xmlns:a16="http://schemas.microsoft.com/office/drawing/2014/main" id="{B49E928B-3E00-44CC-F4E0-CC4A65B5DC84}"/>
+          <p:cNvPr id="5" name="Grafik 4">
+            <a:extLst>
+              <a:ext uri="{FF2B5EF4-FFF2-40B4-BE49-F238E27FC236}">
+                <a16:creationId xmlns:a16="http://schemas.microsoft.com/office/drawing/2014/main" id="{83400294-2090-D2C7-51B7-1EDC90D3774B}"/>
               </a:ext>
             </a:extLst>
           </p:cNvPr>
@@ -3348,8 +3348,8 @@
         </p:blipFill>
         <p:spPr>
           <a:xfrm>
-            <a:off x="2541864" y="512358"/>
-            <a:ext cx="7845085" cy="4336479"/>
+            <a:off x="1751887" y="0"/>
+            <a:ext cx="9987185" cy="5537317"/>
           </a:xfrm>
           <a:prstGeom prst="rect">
             <a:avLst/>
